--- a/static/html_Images/Presentation1.pptx
+++ b/static/html_Images/Presentation1.pptx
@@ -259,7 +259,7 @@
           <a:p>
             <a:fld id="{77401C2B-1824-4160-81F5-28989A99F57D}" type="datetimeFigureOut">
               <a:rPr lang="en-US" smtClean="0"/>
-              <a:t>4/28/2019</a:t>
+              <a:t>5/8/2019</a:t>
             </a:fld>
             <a:endParaRPr lang="en-US"/>
           </a:p>
@@ -457,7 +457,7 @@
           <a:p>
             <a:fld id="{77401C2B-1824-4160-81F5-28989A99F57D}" type="datetimeFigureOut">
               <a:rPr lang="en-US" smtClean="0"/>
-              <a:t>4/28/2019</a:t>
+              <a:t>5/8/2019</a:t>
             </a:fld>
             <a:endParaRPr lang="en-US"/>
           </a:p>
@@ -665,7 +665,7 @@
           <a:p>
             <a:fld id="{77401C2B-1824-4160-81F5-28989A99F57D}" type="datetimeFigureOut">
               <a:rPr lang="en-US" smtClean="0"/>
-              <a:t>4/28/2019</a:t>
+              <a:t>5/8/2019</a:t>
             </a:fld>
             <a:endParaRPr lang="en-US"/>
           </a:p>
@@ -863,7 +863,7 @@
           <a:p>
             <a:fld id="{77401C2B-1824-4160-81F5-28989A99F57D}" type="datetimeFigureOut">
               <a:rPr lang="en-US" smtClean="0"/>
-              <a:t>4/28/2019</a:t>
+              <a:t>5/8/2019</a:t>
             </a:fld>
             <a:endParaRPr lang="en-US"/>
           </a:p>
@@ -1138,7 +1138,7 @@
           <a:p>
             <a:fld id="{77401C2B-1824-4160-81F5-28989A99F57D}" type="datetimeFigureOut">
               <a:rPr lang="en-US" smtClean="0"/>
-              <a:t>4/28/2019</a:t>
+              <a:t>5/8/2019</a:t>
             </a:fld>
             <a:endParaRPr lang="en-US"/>
           </a:p>
@@ -1403,7 +1403,7 @@
           <a:p>
             <a:fld id="{77401C2B-1824-4160-81F5-28989A99F57D}" type="datetimeFigureOut">
               <a:rPr lang="en-US" smtClean="0"/>
-              <a:t>4/28/2019</a:t>
+              <a:t>5/8/2019</a:t>
             </a:fld>
             <a:endParaRPr lang="en-US"/>
           </a:p>
@@ -1815,7 +1815,7 @@
           <a:p>
             <a:fld id="{77401C2B-1824-4160-81F5-28989A99F57D}" type="datetimeFigureOut">
               <a:rPr lang="en-US" smtClean="0"/>
-              <a:t>4/28/2019</a:t>
+              <a:t>5/8/2019</a:t>
             </a:fld>
             <a:endParaRPr lang="en-US"/>
           </a:p>
@@ -1956,7 +1956,7 @@
           <a:p>
             <a:fld id="{77401C2B-1824-4160-81F5-28989A99F57D}" type="datetimeFigureOut">
               <a:rPr lang="en-US" smtClean="0"/>
-              <a:t>4/28/2019</a:t>
+              <a:t>5/8/2019</a:t>
             </a:fld>
             <a:endParaRPr lang="en-US"/>
           </a:p>
@@ -2069,7 +2069,7 @@
           <a:p>
             <a:fld id="{77401C2B-1824-4160-81F5-28989A99F57D}" type="datetimeFigureOut">
               <a:rPr lang="en-US" smtClean="0"/>
-              <a:t>4/28/2019</a:t>
+              <a:t>5/8/2019</a:t>
             </a:fld>
             <a:endParaRPr lang="en-US"/>
           </a:p>
@@ -2380,7 +2380,7 @@
           <a:p>
             <a:fld id="{77401C2B-1824-4160-81F5-28989A99F57D}" type="datetimeFigureOut">
               <a:rPr lang="en-US" smtClean="0"/>
-              <a:t>4/28/2019</a:t>
+              <a:t>5/8/2019</a:t>
             </a:fld>
             <a:endParaRPr lang="en-US"/>
           </a:p>
@@ -2668,7 +2668,7 @@
           <a:p>
             <a:fld id="{77401C2B-1824-4160-81F5-28989A99F57D}" type="datetimeFigureOut">
               <a:rPr lang="en-US" smtClean="0"/>
-              <a:t>4/28/2019</a:t>
+              <a:t>5/8/2019</a:t>
             </a:fld>
             <a:endParaRPr lang="en-US"/>
           </a:p>
@@ -2909,7 +2909,7 @@
           <a:p>
             <a:fld id="{77401C2B-1824-4160-81F5-28989A99F57D}" type="datetimeFigureOut">
               <a:rPr lang="en-US" smtClean="0"/>
-              <a:t>4/28/2019</a:t>
+              <a:t>5/8/2019</a:t>
             </a:fld>
             <a:endParaRPr lang="en-US"/>
           </a:p>
@@ -3376,8 +3376,8 @@
         </p:nvSpPr>
         <p:spPr>
           <a:xfrm>
-            <a:off x="3488266" y="702733"/>
-            <a:ext cx="3953933" cy="3446989"/>
+            <a:off x="2963332" y="893234"/>
+            <a:ext cx="6654801" cy="3143753"/>
           </a:xfrm>
           <a:custGeom>
             <a:avLst/>
@@ -3659,8 +3659,8 @@
         </p:nvSpPr>
         <p:spPr>
           <a:xfrm>
-            <a:off x="3674531" y="973667"/>
-            <a:ext cx="3953933" cy="1938992"/>
+            <a:off x="3105752" y="1043358"/>
+            <a:ext cx="6359982" cy="1938992"/>
           </a:xfrm>
           <a:prstGeom prst="rect">
             <a:avLst/>
@@ -3678,7 +3678,7 @@
                 <a:latin typeface="Miss Smarty Pants Skinny" panose="02000603000000000000" pitchFamily="2" charset="0"/>
                 <a:ea typeface="Miss Smarty Pants Skinny" panose="02000603000000000000" pitchFamily="2" charset="0"/>
               </a:rPr>
-              <a:t>That’s a nice bird picture you’ve got. Can I have it?</a:t>
+              <a:t>Thanks! …Wait a minute…That looks like my cousin!! Do you have any more pictures?</a:t>
             </a:r>
           </a:p>
         </p:txBody>
